--- a/Final Presentation - v1.pptx
+++ b/Final Presentation - v1.pptx
@@ -1772,6 +1772,7 @@
           <a:p>
             <a:fld id="{7CCD32A6-2509-48F9-B575-0CEDF1437325}" type="datetime1">
               <a:rPr lang="en-US" smtClean="0"/>
+              <a:pPr/>
               <a:t>6/21/2016</a:t>
             </a:fld>
             <a:endParaRPr lang="en-IN"/>
@@ -1942,6 +1943,7 @@
           <a:p>
             <a:fld id="{1A397C73-46AA-4B89-B838-1F0BAC080AA1}" type="datetime1">
               <a:rPr lang="en-US" smtClean="0"/>
+              <a:pPr/>
               <a:t>6/21/2016</a:t>
             </a:fld>
             <a:endParaRPr lang="en-IN"/>
@@ -2122,6 +2124,7 @@
           <a:p>
             <a:fld id="{15EC433E-53A5-4408-8D7D-11B3298760CB}" type="datetime1">
               <a:rPr lang="en-US" smtClean="0"/>
+              <a:pPr/>
               <a:t>6/21/2016</a:t>
             </a:fld>
             <a:endParaRPr lang="en-IN"/>
@@ -2292,6 +2295,7 @@
           <a:p>
             <a:fld id="{22E40C74-84AB-41B2-A256-84DA8BDE8785}" type="datetime1">
               <a:rPr lang="en-US" smtClean="0"/>
+              <a:pPr/>
               <a:t>6/21/2016</a:t>
             </a:fld>
             <a:endParaRPr lang="en-IN"/>
@@ -2538,6 +2542,7 @@
           <a:p>
             <a:fld id="{37AF68EA-3F4A-41F9-AECB-FCBEDCBD9F04}" type="datetime1">
               <a:rPr lang="en-US" smtClean="0"/>
+              <a:pPr/>
               <a:t>6/21/2016</a:t>
             </a:fld>
             <a:endParaRPr lang="en-IN"/>
@@ -2826,6 +2831,7 @@
           <a:p>
             <a:fld id="{55909A19-AAEF-4435-A91F-C8D797C88D2A}" type="datetime1">
               <a:rPr lang="en-US" smtClean="0"/>
+              <a:pPr/>
               <a:t>6/21/2016</a:t>
             </a:fld>
             <a:endParaRPr lang="en-IN"/>
@@ -3248,6 +3254,7 @@
           <a:p>
             <a:fld id="{D35AEBAB-782C-4C28-958B-09DA37FAAC1A}" type="datetime1">
               <a:rPr lang="en-US" smtClean="0"/>
+              <a:pPr/>
               <a:t>6/21/2016</a:t>
             </a:fld>
             <a:endParaRPr lang="en-IN"/>
@@ -3366,6 +3373,7 @@
           <a:p>
             <a:fld id="{5BD3C1BF-9DCF-4705-A862-4E01D89074FD}" type="datetime1">
               <a:rPr lang="en-US" smtClean="0"/>
+              <a:pPr/>
               <a:t>6/21/2016</a:t>
             </a:fld>
             <a:endParaRPr lang="en-IN"/>
@@ -3461,6 +3469,7 @@
           <a:p>
             <a:fld id="{FB5127D1-9A96-48E4-989B-83F93B3248B8}" type="datetime1">
               <a:rPr lang="en-US" smtClean="0"/>
+              <a:pPr/>
               <a:t>6/21/2016</a:t>
             </a:fld>
             <a:endParaRPr lang="en-IN"/>
@@ -3738,6 +3747,7 @@
           <a:p>
             <a:fld id="{4D9394CA-A5DE-40E5-962A-C451797724D5}" type="datetime1">
               <a:rPr lang="en-US" smtClean="0"/>
+              <a:pPr/>
               <a:t>6/21/2016</a:t>
             </a:fld>
             <a:endParaRPr lang="en-IN"/>
@@ -3991,6 +4001,7 @@
           <a:p>
             <a:fld id="{F4143ABA-8AC5-41E1-B483-7E867ED6AA03}" type="datetime1">
               <a:rPr lang="en-US" smtClean="0"/>
+              <a:pPr/>
               <a:t>6/21/2016</a:t>
             </a:fld>
             <a:endParaRPr lang="en-IN"/>
@@ -4204,6 +4215,7 @@
           <a:p>
             <a:fld id="{5EC6BFE5-2988-4AA3-A3CC-1F101FC83355}" type="datetime1">
               <a:rPr lang="en-US" smtClean="0"/>
+              <a:pPr/>
               <a:t>6/21/2016</a:t>
             </a:fld>
             <a:endParaRPr lang="en-IN"/>
@@ -4940,6 +4952,7 @@
           <a:p>
             <a:fld id="{BD88834D-DC03-4586-B05B-3DBC6B23578F}" type="datetime1">
               <a:rPr lang="en-US" smtClean="0"/>
+              <a:pPr/>
               <a:t>6/21/2016</a:t>
             </a:fld>
             <a:endParaRPr lang="en-IN"/>
@@ -5476,6 +5489,7 @@
           <a:p>
             <a:fld id="{611BA675-2B6A-4B37-8828-483A37C0022B}" type="datetime1">
               <a:rPr lang="en-US" smtClean="0"/>
+              <a:pPr/>
               <a:t>6/21/2016</a:t>
             </a:fld>
             <a:endParaRPr lang="en-IN"/>
@@ -5673,6 +5687,7 @@
           <a:p>
             <a:fld id="{5A317A65-4690-4074-B903-698601276F4D}" type="datetime1">
               <a:rPr lang="en-US" smtClean="0"/>
+              <a:pPr/>
               <a:t>6/21/2016</a:t>
             </a:fld>
             <a:endParaRPr lang="en-IN"/>
@@ -5842,6 +5857,7 @@
           <a:p>
             <a:fld id="{B6E615EF-EA1C-4B16-B919-BB7B5B7F1126}" type="datetime1">
               <a:rPr lang="en-US" smtClean="0"/>
+              <a:pPr/>
               <a:t>6/21/2016</a:t>
             </a:fld>
             <a:endParaRPr lang="en-IN"/>
@@ -6021,6 +6037,7 @@
           <a:p>
             <a:fld id="{EB027A0F-1CD6-4F38-A939-A1A25570A780}" type="datetime1">
               <a:rPr lang="en-US" smtClean="0"/>
+              <a:pPr/>
               <a:t>6/21/2016</a:t>
             </a:fld>
             <a:endParaRPr lang="en-IN"/>
@@ -6224,6 +6241,7 @@
           <a:p>
             <a:fld id="{EC870FD9-C1F7-4B68-8495-B98AF2150D49}" type="datetime1">
               <a:rPr lang="en-US" smtClean="0"/>
+              <a:pPr/>
               <a:t>6/21/2016</a:t>
             </a:fld>
             <a:endParaRPr lang="en-IN"/>
@@ -6475,6 +6493,7 @@
           <a:p>
             <a:fld id="{D72EB980-B7BF-4EB8-B96D-7A1F2F493DC4}" type="datetime1">
               <a:rPr lang="en-US" smtClean="0"/>
+              <a:pPr/>
               <a:t>6/21/2016</a:t>
             </a:fld>
             <a:endParaRPr lang="en-IN"/>
@@ -6625,6 +6644,7 @@
           <a:p>
             <a:fld id="{744CC5E5-5437-4411-9931-7DD6B9888E1A}" type="datetime1">
               <a:rPr lang="en-US" smtClean="0"/>
+              <a:pPr/>
               <a:t>6/21/2016</a:t>
             </a:fld>
             <a:endParaRPr lang="en-IN"/>
@@ -6699,7 +6719,7 @@
         <p:spPr>
           <a:xfrm>
             <a:off x="428596" y="142852"/>
-            <a:ext cx="8229600" cy="1143000"/>
+            <a:ext cx="8229600" cy="1000132"/>
           </a:xfrm>
         </p:spPr>
         <p:txBody>
@@ -6734,19 +6754,53 @@
         </p:spPr>
         <p:txBody>
           <a:bodyPr>
-            <a:normAutofit fontScale="92500" lnSpcReduction="10000"/>
+            <a:normAutofit fontScale="85000" lnSpcReduction="20000"/>
           </a:bodyPr>
           <a:lstStyle/>
           <a:p>
             <a:r>
               <a:rPr lang="en-US" dirty="0" smtClean="0"/>
-              <a:t>Input -&gt; A set values as shown below</a:t>
-            </a:r>
-          </a:p>
-          <a:p>
+              <a:t>Input -&gt; A set values as shown </a:t>
+            </a:r>
             <a:r>
               <a:rPr lang="en-US" dirty="0" smtClean="0"/>
-              <a:t> Let me call each </a:t>
+              <a:t>below</a:t>
+            </a:r>
+          </a:p>
+          <a:p>
+            <a:pPr>
+              <a:buNone/>
+            </a:pPr>
+            <a:r>
+              <a:rPr lang="en-US" dirty="0" smtClean="0"/>
+              <a:t> </a:t>
+            </a:r>
+          </a:p>
+          <a:p>
+            <a:endParaRPr lang="en-US" dirty="0" smtClean="0"/>
+          </a:p>
+          <a:p>
+            <a:endParaRPr lang="en-US" dirty="0" smtClean="0"/>
+          </a:p>
+          <a:p>
+            <a:endParaRPr lang="en-US" dirty="0" smtClean="0"/>
+          </a:p>
+          <a:p>
+            <a:endParaRPr lang="en-US" dirty="0" smtClean="0"/>
+          </a:p>
+          <a:p>
+            <a:endParaRPr lang="en-US" dirty="0" smtClean="0"/>
+          </a:p>
+          <a:p>
+            <a:endParaRPr lang="en-US" dirty="0" smtClean="0"/>
+          </a:p>
+          <a:p>
+            <a:endParaRPr lang="en-US" dirty="0" smtClean="0"/>
+          </a:p>
+          <a:p>
+            <a:r>
+              <a:rPr lang="en-US" dirty="0" smtClean="0"/>
+              <a:t>Let me call each </a:t>
             </a:r>
             <a:r>
               <a:rPr lang="en-US" b="1" dirty="0" err="1" smtClean="0"/>
@@ -6772,29 +6826,16 @@
               <a:rPr lang="en-US" dirty="0" smtClean="0"/>
               <a:t>”(Highlighted below)</a:t>
             </a:r>
-          </a:p>
-          <a:p>
             <a:endParaRPr lang="en-US" dirty="0" smtClean="0"/>
           </a:p>
           <a:p>
-            <a:endParaRPr lang="en-US" dirty="0" smtClean="0"/>
-          </a:p>
-          <a:p>
-            <a:endParaRPr lang="en-US" dirty="0" smtClean="0"/>
-          </a:p>
-          <a:p>
-            <a:endParaRPr lang="en-US" dirty="0" smtClean="0"/>
-          </a:p>
-          <a:p>
-            <a:endParaRPr lang="en-US" dirty="0" smtClean="0"/>
-          </a:p>
-          <a:p>
-            <a:endParaRPr lang="en-US" dirty="0" smtClean="0"/>
-          </a:p>
-          <a:p>
             <a:r>
               <a:rPr lang="en-US" dirty="0" smtClean="0"/>
-              <a:t>Output -&gt; Macro that gives the </a:t>
+              <a:t>Output </a:t>
+            </a:r>
+            <a:r>
+              <a:rPr lang="en-US" dirty="0" smtClean="0"/>
+              <a:t>-&gt; Macro that gives the </a:t>
             </a:r>
             <a:r>
               <a:rPr lang="en-US" i="1" dirty="0" smtClean="0">
@@ -6860,7 +6901,7 @@
         </p:blipFill>
         <p:spPr bwMode="auto">
           <a:xfrm>
-            <a:off x="857224" y="2714620"/>
+            <a:off x="857224" y="1857364"/>
             <a:ext cx="7467600" cy="2476500"/>
           </a:xfrm>
           <a:prstGeom prst="rect">
@@ -6919,6 +6960,7 @@
           <a:p>
             <a:fld id="{D61BBBB8-DE23-4CDF-A57E-34D4E3AD54DA}" type="datetime1">
               <a:rPr lang="en-US" smtClean="0"/>
+              <a:pPr/>
               <a:t>6/21/2016</a:t>
             </a:fld>
             <a:endParaRPr lang="en-IN"/>
@@ -7148,6 +7190,7 @@
           <a:p>
             <a:fld id="{A4D641F5-9CEA-4326-B17F-48A09153DFAF}" type="datetime1">
               <a:rPr lang="en-US" smtClean="0"/>
+              <a:pPr/>
               <a:t>6/21/2016</a:t>
             </a:fld>
             <a:endParaRPr lang="en-IN"/>
@@ -7386,6 +7429,7 @@
           <a:p>
             <a:fld id="{990D4777-A8B5-4BB6-86C3-326400AF3255}" type="datetime1">
               <a:rPr lang="en-US" smtClean="0"/>
+              <a:pPr/>
               <a:t>6/21/2016</a:t>
             </a:fld>
             <a:endParaRPr lang="en-IN"/>
@@ -7571,6 +7615,7 @@
           <a:p>
             <a:fld id="{7636F606-3305-4CFC-9FB0-F2C83DA4107F}" type="datetime1">
               <a:rPr lang="en-US" smtClean="0"/>
+              <a:pPr/>
               <a:t>6/21/2016</a:t>
             </a:fld>
             <a:endParaRPr lang="en-IN"/>
@@ -7794,6 +7839,7 @@
           <a:p>
             <a:fld id="{1F56A426-1EEE-4BB2-8BFF-184E32664C72}" type="datetime1">
               <a:rPr lang="en-US" smtClean="0"/>
+              <a:pPr/>
               <a:t>6/21/2016</a:t>
             </a:fld>
             <a:endParaRPr lang="en-IN"/>
@@ -8003,6 +8049,7 @@
           <a:p>
             <a:fld id="{4AE979D3-ABDD-4416-9C81-05AB7228D3CC}" type="datetime1">
               <a:rPr lang="en-US" smtClean="0"/>
+              <a:pPr/>
               <a:t>6/21/2016</a:t>
             </a:fld>
             <a:endParaRPr lang="en-IN"/>
@@ -8232,6 +8279,7 @@
           <a:p>
             <a:fld id="{54913A30-F9D9-4028-949A-792DD7D2E0AE}" type="datetime1">
               <a:rPr lang="en-US" smtClean="0"/>
+              <a:pPr/>
               <a:t>6/21/2016</a:t>
             </a:fld>
             <a:endParaRPr lang="en-IN"/>
@@ -8446,6 +8494,7 @@
           <a:p>
             <a:fld id="{8253595F-EE9B-4A87-A04E-0B3B1762987E}" type="datetime1">
               <a:rPr lang="en-US" smtClean="0"/>
+              <a:pPr/>
               <a:t>6/21/2016</a:t>
             </a:fld>
             <a:endParaRPr lang="en-IN"/>
@@ -8665,6 +8714,7 @@
           <a:p>
             <a:fld id="{EE1BA930-DB20-43A3-906A-8161DE92D4E5}" type="datetime1">
               <a:rPr lang="en-US" smtClean="0"/>
+              <a:pPr/>
               <a:t>6/21/2016</a:t>
             </a:fld>
             <a:endParaRPr lang="en-IN"/>
@@ -8839,6 +8889,7 @@
           <a:p>
             <a:fld id="{5ED1E8ED-7C50-4B5A-87A1-D78930C253C8}" type="datetime1">
               <a:rPr lang="en-US" smtClean="0"/>
+              <a:pPr/>
               <a:t>6/21/2016</a:t>
             </a:fld>
             <a:endParaRPr lang="en-IN"/>
@@ -8873,6 +8924,13 @@
   <p:clrMapOvr>
     <a:masterClrMapping/>
   </p:clrMapOvr>
+  <p:timing>
+    <p:tnLst>
+      <p:par>
+        <p:cTn id="1" dur="indefinite" restart="never" nodeType="tmRoot"/>
+      </p:par>
+    </p:tnLst>
+  </p:timing>
 </p:sld>
 </file>
 
@@ -9030,6 +9088,7 @@
           <a:p>
             <a:fld id="{9BCA4D18-38B4-46EB-876E-C27E1FAA904B}" type="datetime1">
               <a:rPr lang="en-US" smtClean="0"/>
+              <a:pPr/>
               <a:t>6/21/2016</a:t>
             </a:fld>
             <a:endParaRPr lang="en-IN"/>
@@ -9231,6 +9290,7 @@
           <a:p>
             <a:fld id="{15C55BE0-8A9E-4C5D-BE82-59A13A20303A}" type="datetime1">
               <a:rPr lang="en-US" smtClean="0"/>
+              <a:pPr/>
               <a:t>6/21/2016</a:t>
             </a:fld>
             <a:endParaRPr lang="en-IN"/>
@@ -9482,6 +9542,7 @@
           <a:p>
             <a:fld id="{DC2D9182-B01E-48DF-B788-33CBECA73CEE}" type="datetime1">
               <a:rPr lang="en-US" smtClean="0"/>
+              <a:pPr/>
               <a:t>6/21/2016</a:t>
             </a:fld>
             <a:endParaRPr lang="en-IN"/>
@@ -9746,6 +9807,7 @@
           <a:p>
             <a:fld id="{78F16ECD-E78E-4BEC-BC24-95E360AD8348}" type="datetime1">
               <a:rPr lang="en-US" smtClean="0"/>
+              <a:pPr/>
               <a:t>6/21/2016</a:t>
             </a:fld>
             <a:endParaRPr lang="en-IN"/>
@@ -9957,6 +10019,7 @@
           <a:p>
             <a:fld id="{62013E58-C2AE-4224-BCA4-C8C288ED474A}" type="datetime1">
               <a:rPr lang="en-US" smtClean="0"/>
+              <a:pPr/>
               <a:t>6/21/2016</a:t>
             </a:fld>
             <a:endParaRPr lang="en-IN"/>
@@ -10228,6 +10291,7 @@
           <a:p>
             <a:fld id="{01F5420D-01B7-425B-B4D1-BFFC843619C4}" type="datetime1">
               <a:rPr lang="en-US" smtClean="0"/>
+              <a:pPr/>
               <a:t>6/21/2016</a:t>
             </a:fld>
             <a:endParaRPr lang="en-IN"/>
@@ -10610,6 +10674,7 @@
           <a:p>
             <a:fld id="{89794A06-C8F5-407E-9144-F5D4FCE85508}" type="datetime1">
               <a:rPr lang="en-US" smtClean="0"/>
+              <a:pPr/>
               <a:t>6/21/2016</a:t>
             </a:fld>
             <a:endParaRPr lang="en-IN"/>
@@ -10785,6 +10850,7 @@
           <a:p>
             <a:fld id="{86AEAD26-2B96-442D-A51F-64AA042322EF}" type="datetime1">
               <a:rPr lang="en-US" smtClean="0"/>
+              <a:pPr/>
               <a:t>6/21/2016</a:t>
             </a:fld>
             <a:endParaRPr lang="en-IN"/>
@@ -11209,6 +11275,7 @@
           <a:p>
             <a:fld id="{6D348DB9-4111-4371-8898-6B27A29CFA72}" type="datetime1">
               <a:rPr lang="en-US" smtClean="0"/>
+              <a:pPr/>
               <a:t>6/21/2016</a:t>
             </a:fld>
             <a:endParaRPr lang="en-IN"/>
@@ -12004,6 +12071,7 @@
           <a:p>
             <a:fld id="{E7506D24-00B8-479E-A2F8-170B278E41AF}" type="datetime1">
               <a:rPr lang="en-US" smtClean="0"/>
+              <a:pPr/>
               <a:t>6/21/2016</a:t>
             </a:fld>
             <a:endParaRPr lang="en-IN"/>
@@ -12200,6 +12268,7 @@
           <a:p>
             <a:fld id="{DEC5581D-0800-46B8-84BA-13403FBB18F7}" type="datetime1">
               <a:rPr lang="en-US" smtClean="0"/>
+              <a:pPr/>
               <a:t>6/21/2016</a:t>
             </a:fld>
             <a:endParaRPr lang="en-IN" dirty="0"/>
@@ -12375,6 +12444,7 @@
           <a:p>
             <a:fld id="{9B88260E-816A-4F1F-B7F6-495547AC7F3A}" type="datetime1">
               <a:rPr lang="en-US" smtClean="0"/>
+              <a:pPr/>
               <a:t>6/21/2016</a:t>
             </a:fld>
             <a:endParaRPr lang="en-IN"/>
@@ -12516,6 +12586,7 @@
           <a:p>
             <a:fld id="{2DC59968-263F-4976-9175-DECFA875F3E6}" type="datetime1">
               <a:rPr lang="en-US" smtClean="0"/>
+              <a:pPr/>
               <a:t>6/21/2016</a:t>
             </a:fld>
             <a:endParaRPr lang="en-IN"/>
@@ -12631,35 +12702,35 @@
           <a:p>
             <a:pPr eaLnBrk="1" hangingPunct="1"/>
             <a:r>
-              <a:rPr lang="en-US" smtClean="0"/>
+              <a:rPr lang="en-US" dirty="0" smtClean="0"/>
               <a:t>The image is broken into 8x8 blocks of pixels</a:t>
             </a:r>
           </a:p>
           <a:p>
             <a:pPr eaLnBrk="1" hangingPunct="1"/>
             <a:r>
-              <a:rPr lang="en-US" smtClean="0"/>
+              <a:rPr lang="en-US" dirty="0" smtClean="0"/>
               <a:t>DCT is applied to this 8x8 block</a:t>
             </a:r>
           </a:p>
           <a:p>
             <a:pPr eaLnBrk="1" hangingPunct="1"/>
             <a:r>
-              <a:rPr lang="en-US" smtClean="0"/>
+              <a:rPr lang="en-US" dirty="0" smtClean="0"/>
               <a:t>Each block is compressed through quantization</a:t>
             </a:r>
           </a:p>
           <a:p>
             <a:pPr eaLnBrk="1" hangingPunct="1"/>
             <a:r>
-              <a:rPr lang="en-US" smtClean="0"/>
+              <a:rPr lang="en-US" dirty="0" smtClean="0"/>
               <a:t>Blocks are coded in a zigzag path and array of blocks are stored in drastically reduced space</a:t>
             </a:r>
           </a:p>
           <a:p>
             <a:pPr eaLnBrk="1" hangingPunct="1"/>
             <a:r>
-              <a:rPr lang="en-US" smtClean="0"/>
+              <a:rPr lang="en-US" dirty="0" smtClean="0"/>
               <a:t>When desired, image is reconstructed by applying inverse quantization and IDCT </a:t>
             </a:r>
           </a:p>
@@ -12711,6 +12782,7 @@
           <a:p>
             <a:fld id="{CC7F6C40-9DF1-442F-B9E7-83D3C7E65B66}" type="datetime1">
               <a:rPr lang="en-US" smtClean="0"/>
+              <a:pPr/>
               <a:t>6/21/2016</a:t>
             </a:fld>
             <a:endParaRPr lang="en-IN"/>
